--- a/Data Management Overview v.pptx
+++ b/Data Management Overview v.pptx
@@ -207,7 +207,7 @@
           <a:p>
             <a:fld id="{667DBA37-21AD-6B42-A95E-279C46E7ACFC}" type="datetimeFigureOut">
               <a:rPr lang="en-US" smtClean="0"/>
-              <a:t>9/15/19</a:t>
+              <a:t>1/5/20</a:t>
             </a:fld>
             <a:endParaRPr lang="en-US"/>
           </a:p>
@@ -786,7 +786,7 @@
           <a:p>
             <a:fld id="{BF0936A4-B5A4-3A49-90E4-3DC71D99B6D9}" type="datetimeFigureOut">
               <a:rPr lang="en-US" smtClean="0"/>
-              <a:t>9/15/19</a:t>
+              <a:t>1/5/20</a:t>
             </a:fld>
             <a:endParaRPr lang="en-US"/>
           </a:p>
@@ -956,7 +956,7 @@
           <a:p>
             <a:fld id="{BF0936A4-B5A4-3A49-90E4-3DC71D99B6D9}" type="datetimeFigureOut">
               <a:rPr lang="en-US" smtClean="0"/>
-              <a:t>9/15/19</a:t>
+              <a:t>1/5/20</a:t>
             </a:fld>
             <a:endParaRPr lang="en-US"/>
           </a:p>
@@ -1136,7 +1136,7 @@
           <a:p>
             <a:fld id="{BF0936A4-B5A4-3A49-90E4-3DC71D99B6D9}" type="datetimeFigureOut">
               <a:rPr lang="en-US" smtClean="0"/>
-              <a:t>9/15/19</a:t>
+              <a:t>1/5/20</a:t>
             </a:fld>
             <a:endParaRPr lang="en-US"/>
           </a:p>
@@ -1306,7 +1306,7 @@
           <a:p>
             <a:fld id="{BF0936A4-B5A4-3A49-90E4-3DC71D99B6D9}" type="datetimeFigureOut">
               <a:rPr lang="en-US" smtClean="0"/>
-              <a:t>9/15/19</a:t>
+              <a:t>1/5/20</a:t>
             </a:fld>
             <a:endParaRPr lang="en-US"/>
           </a:p>
@@ -1552,7 +1552,7 @@
           <a:p>
             <a:fld id="{BF0936A4-B5A4-3A49-90E4-3DC71D99B6D9}" type="datetimeFigureOut">
               <a:rPr lang="en-US" smtClean="0"/>
-              <a:t>9/15/19</a:t>
+              <a:t>1/5/20</a:t>
             </a:fld>
             <a:endParaRPr lang="en-US"/>
           </a:p>
@@ -1784,7 +1784,7 @@
           <a:p>
             <a:fld id="{BF0936A4-B5A4-3A49-90E4-3DC71D99B6D9}" type="datetimeFigureOut">
               <a:rPr lang="en-US" smtClean="0"/>
-              <a:t>9/15/19</a:t>
+              <a:t>1/5/20</a:t>
             </a:fld>
             <a:endParaRPr lang="en-US"/>
           </a:p>
@@ -2151,7 +2151,7 @@
           <a:p>
             <a:fld id="{BF0936A4-B5A4-3A49-90E4-3DC71D99B6D9}" type="datetimeFigureOut">
               <a:rPr lang="en-US" smtClean="0"/>
-              <a:t>9/15/19</a:t>
+              <a:t>1/5/20</a:t>
             </a:fld>
             <a:endParaRPr lang="en-US"/>
           </a:p>
@@ -2269,7 +2269,7 @@
           <a:p>
             <a:fld id="{BF0936A4-B5A4-3A49-90E4-3DC71D99B6D9}" type="datetimeFigureOut">
               <a:rPr lang="en-US" smtClean="0"/>
-              <a:t>9/15/19</a:t>
+              <a:t>1/5/20</a:t>
             </a:fld>
             <a:endParaRPr lang="en-US"/>
           </a:p>
@@ -2364,7 +2364,7 @@
           <a:p>
             <a:fld id="{BF0936A4-B5A4-3A49-90E4-3DC71D99B6D9}" type="datetimeFigureOut">
               <a:rPr lang="en-US" smtClean="0"/>
-              <a:t>9/15/19</a:t>
+              <a:t>1/5/20</a:t>
             </a:fld>
             <a:endParaRPr lang="en-US"/>
           </a:p>
@@ -2641,7 +2641,7 @@
           <a:p>
             <a:fld id="{BF0936A4-B5A4-3A49-90E4-3DC71D99B6D9}" type="datetimeFigureOut">
               <a:rPr lang="en-US" smtClean="0"/>
-              <a:t>9/15/19</a:t>
+              <a:t>1/5/20</a:t>
             </a:fld>
             <a:endParaRPr lang="en-US"/>
           </a:p>
@@ -2898,7 +2898,7 @@
           <a:p>
             <a:fld id="{BF0936A4-B5A4-3A49-90E4-3DC71D99B6D9}" type="datetimeFigureOut">
               <a:rPr lang="en-US" smtClean="0"/>
-              <a:t>9/15/19</a:t>
+              <a:t>1/5/20</a:t>
             </a:fld>
             <a:endParaRPr lang="en-US"/>
           </a:p>
@@ -3111,7 +3111,7 @@
           <a:p>
             <a:fld id="{BF0936A4-B5A4-3A49-90E4-3DC71D99B6D9}" type="datetimeFigureOut">
               <a:rPr lang="en-US" smtClean="0"/>
-              <a:t>9/15/19</a:t>
+              <a:t>1/5/20</a:t>
             </a:fld>
             <a:endParaRPr lang="en-US"/>
           </a:p>
@@ -6048,7 +6048,7 @@
           <a:p>
             <a:r>
               <a:rPr lang="en-US" dirty="0"/>
-              <a:t>If errors in file names are found use the following process:</a:t>
+              <a:t>QAQC approach: see the UNOPS Evernote for the work flow and tools</a:t>
             </a:r>
           </a:p>
         </p:txBody>
@@ -6077,221 +6077,34 @@
         </p:spPr>
         <p:txBody>
           <a:bodyPr>
-            <a:normAutofit fontScale="85000" lnSpcReduction="20000"/>
+            <a:normAutofit/>
           </a:bodyPr>
           <a:lstStyle/>
           <a:p>
-            <a:pPr marL="514350" indent="-514350">
-              <a:buFont typeface="+mj-lt"/>
-              <a:buAutoNum type="arabicPeriod"/>
-            </a:pPr>
             <a:r>
               <a:rPr lang="en-US" dirty="0"/>
-              <a:t>Make a copy of the file with the incorrect name (e.g. “</a:t>
-            </a:r>
-            <a:r>
-              <a:rPr lang="en-US" dirty="0">
-                <a:solidFill>
-                  <a:schemeClr val="accent5">
-                    <a:lumMod val="60000"/>
-                    <a:lumOff val="40000"/>
-                  </a:schemeClr>
-                </a:solidFill>
-              </a:rPr>
-              <a:t>INCORRECT FILE </a:t>
-            </a:r>
-            <a:r>
-              <a:rPr lang="en-US" dirty="0" err="1">
-                <a:solidFill>
-                  <a:schemeClr val="accent5">
-                    <a:lumMod val="60000"/>
-                    <a:lumOff val="40000"/>
-                  </a:schemeClr>
-                </a:solidFill>
-              </a:rPr>
-              <a:t>NAME</a:t>
+              <a:t>QAQC reports are generated using the E2E Data </a:t>
             </a:r>
             <a:r>
               <a:rPr lang="en-US" dirty="0" err="1"/>
-              <a:t>.txt</a:t>
+              <a:t>Analysis.R</a:t>
             </a:r>
             <a:r>
               <a:rPr lang="en-US" dirty="0"/>
-              <a:t>”) and name the new copy “</a:t>
-            </a:r>
-            <a:r>
-              <a:rPr lang="en-US" dirty="0">
-                <a:solidFill>
-                  <a:schemeClr val="accent5">
-                    <a:lumMod val="60000"/>
-                    <a:lumOff val="40000"/>
-                  </a:schemeClr>
-                </a:solidFill>
-              </a:rPr>
-              <a:t>INCORRECT FILE NAME </a:t>
-            </a:r>
+              <a:t> script, and emailed to the team.  </a:t>
+            </a:r>
+          </a:p>
+          <a:p>
             <a:r>
               <a:rPr lang="en-US" dirty="0"/>
-              <a:t>_ </a:t>
-            </a:r>
-            <a:r>
-              <a:rPr lang="en-US" b="1" dirty="0"/>
-              <a:t>FIXED</a:t>
-            </a:r>
+              <a:t>Fix issues related to file names, by looking at the output from the QAQC report in the sheet ‘Deployment overview’</a:t>
+            </a:r>
+          </a:p>
+          <a:p>
             <a:r>
               <a:rPr lang="en-US" dirty="0"/>
-              <a:t>_ </a:t>
-            </a:r>
-            <a:r>
-              <a:rPr lang="en-US" dirty="0">
-                <a:solidFill>
-                  <a:schemeClr val="accent2">
-                    <a:lumMod val="75000"/>
-                  </a:schemeClr>
-                </a:solidFill>
-              </a:rPr>
-              <a:t>CORRECTED </a:t>
-            </a:r>
-            <a:r>
-              <a:rPr lang="en-US" dirty="0" err="1">
-                <a:solidFill>
-                  <a:schemeClr val="accent2">
-                    <a:lumMod val="75000"/>
-                  </a:schemeClr>
-                </a:solidFill>
-              </a:rPr>
-              <a:t>NAME</a:t>
-            </a:r>
-            <a:r>
-              <a:rPr lang="en-US" dirty="0" err="1"/>
-              <a:t>.txt</a:t>
-            </a:r>
-            <a:r>
-              <a:rPr lang="en-US" dirty="0"/>
-              <a:t>”</a:t>
-            </a:r>
-          </a:p>
-          <a:p>
-            <a:pPr lvl="1"/>
-            <a:r>
-              <a:rPr lang="en-US" dirty="0"/>
-              <a:t>Never delete the original file</a:t>
-            </a:r>
-          </a:p>
-          <a:p>
-            <a:pPr marL="514350" indent="-514350">
-              <a:buFont typeface="+mj-lt"/>
-              <a:buAutoNum type="arabicPeriod"/>
-            </a:pPr>
-            <a:r>
-              <a:rPr lang="en-US" dirty="0"/>
-              <a:t> Move the original file with the incorrect name to the Dropbox folders called "Corrected Files”</a:t>
-            </a:r>
-          </a:p>
-          <a:p>
-            <a:pPr marL="514350" indent="-514350">
-              <a:buFont typeface="+mj-lt"/>
-              <a:buAutoNum type="arabicPeriod"/>
-            </a:pPr>
-            <a:r>
-              <a:rPr lang="en-US" dirty="0"/>
-              <a:t>The new file should remain in the original folder it was found in</a:t>
-            </a:r>
-          </a:p>
-          <a:p>
-            <a:pPr marL="514350" indent="-514350">
-              <a:buFont typeface="+mj-lt"/>
-              <a:buAutoNum type="arabicPeriod"/>
-            </a:pPr>
-            <a:endParaRPr lang="en-US" dirty="0"/>
-          </a:p>
-          <a:p>
-            <a:r>
-              <a:rPr lang="en-US" dirty="0"/>
-              <a:t>Example of an incorrect file and the correction (HHID was incorrect):</a:t>
-            </a:r>
-          </a:p>
-          <a:p>
-            <a:pPr lvl="1"/>
-            <a:r>
-              <a:rPr lang="en-US" dirty="0"/>
-              <a:t>Incorrect file name</a:t>
-            </a:r>
-            <a:r>
-              <a:rPr lang="en-US" dirty="0">
-                <a:solidFill>
-                  <a:schemeClr val="accent5">
-                    <a:lumMod val="60000"/>
-                    <a:lumOff val="40000"/>
-                  </a:schemeClr>
-                </a:solidFill>
-              </a:rPr>
-              <a:t>: “23003_PEM_2_ECM00039_2M50408_10092018</a:t>
-            </a:r>
-            <a:r>
-              <a:rPr lang="en-US" dirty="0"/>
-              <a:t>.txt”</a:t>
-            </a:r>
-          </a:p>
-          <a:p>
-            <a:pPr lvl="1"/>
-            <a:r>
-              <a:rPr lang="en-US" dirty="0"/>
-              <a:t>Make a copy and name it “</a:t>
-            </a:r>
-            <a:r>
-              <a:rPr lang="en-US" dirty="0">
-                <a:solidFill>
-                  <a:schemeClr val="accent5">
-                    <a:lumMod val="60000"/>
-                    <a:lumOff val="40000"/>
-                  </a:schemeClr>
-                </a:solidFill>
-              </a:rPr>
-              <a:t>23003_PEM_2_ECM00039_2M50408_10092018</a:t>
-            </a:r>
-            <a:r>
-              <a:rPr lang="en-US" dirty="0"/>
-              <a:t>_FIXED_</a:t>
-            </a:r>
-            <a:r>
-              <a:rPr lang="en-US" dirty="0">
-                <a:solidFill>
-                  <a:schemeClr val="accent2">
-                    <a:lumMod val="75000"/>
-                  </a:schemeClr>
-                </a:solidFill>
-              </a:rPr>
-              <a:t>23004_PEM_2_ECM00039_2M50408_10092018</a:t>
-            </a:r>
-            <a:r>
-              <a:rPr lang="en-US" dirty="0"/>
-              <a:t>.txt”</a:t>
-            </a:r>
-          </a:p>
-          <a:p>
-            <a:pPr lvl="1"/>
-            <a:r>
-              <a:rPr lang="en-US" dirty="0"/>
-              <a:t>The original file with the incorrect file name should be located in the ‘Correct File’s folder</a:t>
-            </a:r>
-          </a:p>
-          <a:p>
-            <a:pPr lvl="1"/>
-            <a:r>
-              <a:rPr lang="en-US" dirty="0"/>
-              <a:t>The correct file should be in the same place as it was originally found</a:t>
-            </a:r>
-          </a:p>
-          <a:p>
-            <a:r>
-              <a:rPr lang="en-US" dirty="0"/>
-              <a:t>Remember to change the names of all versions of files, for example, both raw and processed files for the ECMs!</a:t>
-            </a:r>
-          </a:p>
-          <a:p>
-            <a:pPr lvl="1"/>
-            <a:endParaRPr lang="en-US" dirty="0"/>
+              <a:t>Flag file names of data files that have some problem(s)</a:t>
+            </a:r>
           </a:p>
           <a:p>
             <a:endParaRPr lang="en-US" dirty="0"/>
@@ -12253,13 +12066,6 @@
           </a:p>
           <a:p>
             <a:pPr lvl="1"/>
-            <a:r>
-              <a:rPr lang="en-US" dirty="0"/>
-              <a:t>Automated processing/emails</a:t>
-            </a:r>
-          </a:p>
-          <a:p>
-            <a:pPr lvl="1"/>
             <a:endParaRPr lang="en-US" dirty="0"/>
           </a:p>
           <a:p>
@@ -12349,7 +12155,7 @@
         </p:nvSpPr>
         <p:spPr>
           <a:xfrm>
-            <a:off x="838200" y="1490771"/>
+            <a:off x="838200" y="1253331"/>
             <a:ext cx="10515600" cy="4351338"/>
           </a:xfrm>
         </p:spPr>
@@ -12359,7 +12165,13 @@
           <a:p>
             <a:r>
               <a:rPr lang="en-US" dirty="0"/>
-              <a:t>Imports data from Dropbox, analyzes them, applies calibrations, sends summary </a:t>
+              <a:t>Imports data from Dropbox, analyzes them, applies calibrations, sends QAQC summary </a:t>
+            </a:r>
+          </a:p>
+          <a:p>
+            <a:r>
+              <a:rPr lang="en-US" dirty="0"/>
+              <a:t>Further analysis required</a:t>
             </a:r>
           </a:p>
         </p:txBody>
@@ -12379,42 +12191,42 @@
           <p:nvPr>
             <p:extLst>
               <p:ext uri="{D42A27DB-BD31-4B8C-83A1-F6EECF244321}">
-                <p14:modId xmlns:p14="http://schemas.microsoft.com/office/powerpoint/2010/main" val="444734419"/>
+                <p14:modId xmlns:p14="http://schemas.microsoft.com/office/powerpoint/2010/main" val="409111597"/>
               </p:ext>
             </p:extLst>
           </p:nvPr>
         </p:nvGraphicFramePr>
         <p:xfrm>
-          <a:off x="838200" y="2406228"/>
-          <a:ext cx="10198996" cy="3843878"/>
+          <a:off x="838199" y="3233101"/>
+          <a:ext cx="10515600" cy="3519714"/>
         </p:xfrm>
         <a:graphic>
           <a:graphicData uri="http://schemas.openxmlformats.org/drawingml/2006/table">
             <a:tbl>
               <a:tblPr/>
               <a:tblGrid>
-                <a:gridCol w="2549749">
+                <a:gridCol w="2628900">
                   <a:extLst>
                     <a:ext uri="{9D8B030D-6E8A-4147-A177-3AD203B41FA5}">
                       <a16:colId xmlns:a16="http://schemas.microsoft.com/office/drawing/2014/main" val="239436884"/>
                     </a:ext>
                   </a:extLst>
                 </a:gridCol>
-                <a:gridCol w="2549749">
+                <a:gridCol w="2628900">
                   <a:extLst>
                     <a:ext uri="{9D8B030D-6E8A-4147-A177-3AD203B41FA5}">
                       <a16:colId xmlns:a16="http://schemas.microsoft.com/office/drawing/2014/main" val="123309798"/>
                     </a:ext>
                   </a:extLst>
                 </a:gridCol>
-                <a:gridCol w="2549749">
+                <a:gridCol w="2628900">
                   <a:extLst>
                     <a:ext uri="{9D8B030D-6E8A-4147-A177-3AD203B41FA5}">
                       <a16:colId xmlns:a16="http://schemas.microsoft.com/office/drawing/2014/main" val="122032178"/>
                     </a:ext>
                   </a:extLst>
                 </a:gridCol>
-                <a:gridCol w="2549749">
+                <a:gridCol w="2628900">
                   <a:extLst>
                     <a:ext uri="{9D8B030D-6E8A-4147-A177-3AD203B41FA5}">
                       <a16:colId xmlns:a16="http://schemas.microsoft.com/office/drawing/2014/main" val="3898307630"/>
@@ -12887,7 +12699,19 @@
                         <a:rPr lang="en-US" sz="1500" dirty="0" err="1">
                           <a:effectLst/>
                         </a:rPr>
-                        <a:t>Functions.R</a:t>
+                        <a:t>Lascar_functions.R</a:t>
+                      </a:r>
+                      <a:r>
+                        <a:rPr lang="en-US" sz="1500" dirty="0">
+                          <a:effectLst/>
+                        </a:rPr>
+                        <a:t> or </a:t>
+                      </a:r>
+                      <a:r>
+                        <a:rPr lang="en-US" sz="1500" dirty="0" err="1">
+                          <a:effectLst/>
+                        </a:rPr>
+                        <a:t>PATS_functions.R</a:t>
                       </a:r>
                       <a:endParaRPr lang="en-US" sz="1500" dirty="0">
                         <a:effectLst/>
@@ -12998,19 +12822,7 @@
                         <a:rPr lang="en-US" sz="1500" dirty="0">
                           <a:effectLst/>
                         </a:rPr>
-                        <a:t>Summary of data called </a:t>
-                      </a:r>
-                      <a:r>
-                        <a:rPr lang="en-US" sz="1500" dirty="0" err="1">
-                          <a:effectLst/>
-                        </a:rPr>
-                        <a:t>upas_summary.R</a:t>
-                      </a:r>
-                      <a:r>
-                        <a:rPr lang="en-US" sz="1500" dirty="0">
-                          <a:effectLst/>
-                        </a:rPr>
-                        <a:t>, calibrated real-time data files</a:t>
+                        <a:t>Data Summaries/QAQC reports. Calibrated real-time data files. </a:t>
                       </a:r>
                     </a:p>
                   </a:txBody>
@@ -13121,14 +12933,11 @@
                     <a:lstStyle/>
                     <a:p>
                       <a:r>
-                        <a:rPr lang="en-US" sz="1500" dirty="0" err="1">
+                        <a:rPr lang="en-US" sz="1500" dirty="0">
                           <a:effectLst/>
                         </a:rPr>
-                        <a:t>localBatchScript.R</a:t>
-                      </a:r>
-                      <a:endParaRPr lang="en-US" sz="1500" dirty="0">
-                        <a:effectLst/>
-                      </a:endParaRPr>
+                        <a:t>Join function</a:t>
+                      </a:r>
                     </a:p>
                   </a:txBody>
                   <a:tcPr marL="102477" marR="102477" marT="47297" marB="47297" anchor="ctr">
@@ -13178,22 +12987,6 @@
                     <a:bodyPr/>
                     <a:lstStyle/>
                     <a:p>
-                      <a:r>
-                        <a:rPr lang="en-US" dirty="0"/>
-                        <a:t>Data files; </a:t>
-                      </a:r>
-                      <a:r>
-                        <a:rPr lang="en-US" dirty="0" err="1"/>
-                        <a:t>thresholds.R</a:t>
-                      </a:r>
-                      <a:r>
-                        <a:rPr lang="en-US" dirty="0"/>
-                        <a:t>; </a:t>
-                      </a:r>
-                      <a:r>
-                        <a:rPr lang="en-US" dirty="0" err="1"/>
-                        <a:t>functions.R</a:t>
-                      </a:r>
                       <a:endParaRPr lang="en-US" dirty="0"/>
                     </a:p>
                   </a:txBody>
@@ -13244,12 +13037,9 @@
                     <a:bodyPr/>
                     <a:lstStyle/>
                     <a:p>
-                      <a:r>
-                        <a:rPr lang="en-US" sz="1500" dirty="0">
-                          <a:effectLst/>
-                        </a:rPr>
-                        <a:t>CSV file with summary of UPAS results and flags</a:t>
-                      </a:r>
+                      <a:endParaRPr lang="en-US" sz="1500" dirty="0">
+                        <a:effectLst/>
+                      </a:endParaRPr>
                     </a:p>
                   </a:txBody>
                   <a:tcPr marL="102477" marR="102477" marT="47297" marB="47297" anchor="ctr">
@@ -13358,12 +13148,6 @@
                     <a:bodyPr/>
                     <a:lstStyle/>
                     <a:p>
-                      <a:r>
-                        <a:rPr lang="en-US" sz="1500" dirty="0" err="1">
-                          <a:effectLst/>
-                        </a:rPr>
-                        <a:t>HAPIN_quack.R</a:t>
-                      </a:r>
                       <a:endParaRPr lang="en-US" sz="1500" dirty="0">
                         <a:effectLst/>
                       </a:endParaRPr>
@@ -13416,10 +13200,7 @@
                     <a:bodyPr/>
                     <a:lstStyle/>
                     <a:p>
-                      <a:r>
-                        <a:rPr lang="en-US" dirty="0"/>
-                        <a:t>All above files; </a:t>
-                      </a:r>
+                      <a:endParaRPr lang="en-US" dirty="0"/>
                     </a:p>
                   </a:txBody>
                   <a:tcPr marL="102477" marR="102477" marT="47297" marB="47297" anchor="ctr">
@@ -13469,12 +13250,9 @@
                     <a:bodyPr/>
                     <a:lstStyle/>
                     <a:p>
-                      <a:r>
-                        <a:rPr lang="en-US" sz="1500" dirty="0">
-                          <a:effectLst/>
-                        </a:rPr>
-                        <a:t>CSV file with file summaries, sent to selected IRC recipients.  Then used in the QAQC Excel doc</a:t>
-                      </a:r>
+                      <a:endParaRPr lang="en-US" sz="1500" dirty="0">
+                        <a:effectLst/>
+                      </a:endParaRPr>
                     </a:p>
                   </a:txBody>
                   <a:tcPr marL="102477" marR="102477" marT="47297" marB="47297" anchor="ctr">
